--- a/presentazione.pptx
+++ b/presentazione.pptx
@@ -108,6 +108,11 @@
       </a:defRPr>
     </a:lvl9pPr>
   </p:defaultTextStyle>
+  <p:extLst>
+    <p:ext uri="{EFAFB233-063F-42B5-8137-9DF3F51BA10A}">
+      <p15:sldGuideLst xmlns:p15="http://schemas.microsoft.com/office/powerpoint/2012/main"/>
+    </p:ext>
+  </p:extLst>
 </p:presentation>
 </file>
 
@@ -341,7 +346,7 @@
             <a:fld id="{B61BEF0D-F0BB-DE4B-95CE-6DB70DBA9567}" type="datetimeFigureOut">
               <a:rPr lang="en-US" dirty="0"/>
               <a:pPr/>
-              <a:t>2/15/2026</a:t>
+              <a:t>2/18/2026</a:t>
             </a:fld>
             <a:endParaRPr lang="en-US" dirty="0"/>
           </a:p>
@@ -672,7 +677,7 @@
             <a:fld id="{B61BEF0D-F0BB-DE4B-95CE-6DB70DBA9567}" type="datetimeFigureOut">
               <a:rPr lang="en-US" dirty="0"/>
               <a:pPr/>
-              <a:t>2/15/2026</a:t>
+              <a:t>2/18/2026</a:t>
             </a:fld>
             <a:endParaRPr lang="en-US" dirty="0"/>
           </a:p>
@@ -947,7 +952,7 @@
             <a:fld id="{B61BEF0D-F0BB-DE4B-95CE-6DB70DBA9567}" type="datetimeFigureOut">
               <a:rPr lang="en-US" dirty="0"/>
               <a:pPr/>
-              <a:t>2/15/2026</a:t>
+              <a:t>2/18/2026</a:t>
             </a:fld>
             <a:endParaRPr lang="en-US" dirty="0"/>
           </a:p>
@@ -1512,7 +1517,7 @@
             <a:fld id="{B61BEF0D-F0BB-DE4B-95CE-6DB70DBA9567}" type="datetimeFigureOut">
               <a:rPr lang="en-US" dirty="0"/>
               <a:pPr/>
-              <a:t>2/15/2026</a:t>
+              <a:t>2/18/2026</a:t>
             </a:fld>
             <a:endParaRPr lang="en-US" dirty="0"/>
           </a:p>
@@ -1787,7 +1792,7 @@
             <a:fld id="{B61BEF0D-F0BB-DE4B-95CE-6DB70DBA9567}" type="datetimeFigureOut">
               <a:rPr lang="en-US" dirty="0"/>
               <a:pPr/>
-              <a:t>2/15/2026</a:t>
+              <a:t>2/18/2026</a:t>
             </a:fld>
             <a:endParaRPr lang="en-US" dirty="0"/>
           </a:p>
@@ -2346,7 +2351,7 @@
             <a:fld id="{B61BEF0D-F0BB-DE4B-95CE-6DB70DBA9567}" type="datetimeFigureOut">
               <a:rPr lang="en-US" dirty="0"/>
               <a:pPr/>
-              <a:t>2/15/2026</a:t>
+              <a:t>2/18/2026</a:t>
             </a:fld>
             <a:endParaRPr lang="en-US" dirty="0"/>
           </a:p>
@@ -2670,7 +2675,7 @@
             <a:fld id="{B61BEF0D-F0BB-DE4B-95CE-6DB70DBA9567}" type="datetimeFigureOut">
               <a:rPr lang="en-US" dirty="0"/>
               <a:pPr/>
-              <a:t>2/15/2026</a:t>
+              <a:t>2/18/2026</a:t>
             </a:fld>
             <a:endParaRPr lang="en-US" dirty="0"/>
           </a:p>
@@ -2844,7 +2849,7 @@
             <a:fld id="{B61BEF0D-F0BB-DE4B-95CE-6DB70DBA9567}" type="datetimeFigureOut">
               <a:rPr lang="en-US" dirty="0"/>
               <a:pPr/>
-              <a:t>2/15/2026</a:t>
+              <a:t>2/18/2026</a:t>
             </a:fld>
             <a:endParaRPr lang="en-US" dirty="0"/>
           </a:p>
@@ -3079,7 +3084,7 @@
             <a:fld id="{B61BEF0D-F0BB-DE4B-95CE-6DB70DBA9567}" type="datetimeFigureOut">
               <a:rPr lang="en-US" dirty="0"/>
               <a:pPr/>
-              <a:t>2/15/2026</a:t>
+              <a:t>2/18/2026</a:t>
             </a:fld>
             <a:endParaRPr lang="en-US" dirty="0"/>
           </a:p>
@@ -3276,7 +3281,7 @@
             <a:fld id="{B61BEF0D-F0BB-DE4B-95CE-6DB70DBA9567}" type="datetimeFigureOut">
               <a:rPr lang="en-US" dirty="0"/>
               <a:pPr/>
-              <a:t>2/15/2026</a:t>
+              <a:t>2/18/2026</a:t>
             </a:fld>
             <a:endParaRPr lang="en-US" dirty="0"/>
           </a:p>
@@ -3549,7 +3554,7 @@
             <a:fld id="{B61BEF0D-F0BB-DE4B-95CE-6DB70DBA9567}" type="datetimeFigureOut">
               <a:rPr lang="en-US" dirty="0"/>
               <a:pPr/>
-              <a:t>2/15/2026</a:t>
+              <a:t>2/18/2026</a:t>
             </a:fld>
             <a:endParaRPr lang="en-US" dirty="0"/>
           </a:p>
@@ -3812,7 +3817,7 @@
             <a:fld id="{B61BEF0D-F0BB-DE4B-95CE-6DB70DBA9567}" type="datetimeFigureOut">
               <a:rPr lang="en-US" dirty="0"/>
               <a:pPr/>
-              <a:t>2/15/2026</a:t>
+              <a:t>2/18/2026</a:t>
             </a:fld>
             <a:endParaRPr lang="en-US" dirty="0"/>
           </a:p>
@@ -4183,7 +4188,7 @@
             <a:fld id="{B61BEF0D-F0BB-DE4B-95CE-6DB70DBA9567}" type="datetimeFigureOut">
               <a:rPr lang="en-US" dirty="0"/>
               <a:pPr/>
-              <a:t>2/15/2026</a:t>
+              <a:t>2/18/2026</a:t>
             </a:fld>
             <a:endParaRPr lang="en-US" dirty="0"/>
           </a:p>
@@ -4328,7 +4333,7 @@
             <a:fld id="{B61BEF0D-F0BB-DE4B-95CE-6DB70DBA9567}" type="datetimeFigureOut">
               <a:rPr lang="en-US" dirty="0"/>
               <a:pPr/>
-              <a:t>2/15/2026</a:t>
+              <a:t>2/18/2026</a:t>
             </a:fld>
             <a:endParaRPr lang="en-US" dirty="0"/>
           </a:p>
@@ -4450,7 +4455,7 @@
             <a:fld id="{B61BEF0D-F0BB-DE4B-95CE-6DB70DBA9567}" type="datetimeFigureOut">
               <a:rPr lang="en-US" dirty="0"/>
               <a:pPr/>
-              <a:t>2/15/2026</a:t>
+              <a:t>2/18/2026</a:t>
             </a:fld>
             <a:endParaRPr lang="en-US" dirty="0"/>
           </a:p>
@@ -4732,7 +4737,7 @@
             <a:fld id="{B61BEF0D-F0BB-DE4B-95CE-6DB70DBA9567}" type="datetimeFigureOut">
               <a:rPr lang="en-US" dirty="0"/>
               <a:pPr/>
-              <a:t>2/15/2026</a:t>
+              <a:t>2/18/2026</a:t>
             </a:fld>
             <a:endParaRPr lang="en-US" dirty="0"/>
           </a:p>
@@ -5053,7 +5058,7 @@
             <a:fld id="{B61BEF0D-F0BB-DE4B-95CE-6DB70DBA9567}" type="datetimeFigureOut">
               <a:rPr lang="en-US" dirty="0"/>
               <a:pPr/>
-              <a:t>2/15/2026</a:t>
+              <a:t>2/18/2026</a:t>
             </a:fld>
             <a:endParaRPr lang="en-US" dirty="0"/>
           </a:p>
@@ -5264,7 +5269,7 @@
             <a:fld id="{B61BEF0D-F0BB-DE4B-95CE-6DB70DBA9567}" type="datetimeFigureOut">
               <a:rPr lang="en-US" dirty="0"/>
               <a:pPr/>
-              <a:t>2/15/2026</a:t>
+              <a:t>2/18/2026</a:t>
             </a:fld>
             <a:endParaRPr lang="en-US" dirty="0"/>
           </a:p>
@@ -5992,6 +5997,92 @@
           </a:p>
         </p:txBody>
       </p:sp>
+      <p:sp>
+        <p:nvSpPr>
+          <p:cNvPr id="2" name="Rettangolo 1">
+            <a:extLst>
+              <a:ext uri="{FF2B5EF4-FFF2-40B4-BE49-F238E27FC236}">
+                <a16:creationId xmlns:a16="http://schemas.microsoft.com/office/drawing/2014/main" id="{C53AC60A-1A10-A3F9-D227-0F08E55E64F4}"/>
+              </a:ext>
+            </a:extLst>
+          </p:cNvPr>
+          <p:cNvSpPr/>
+          <p:nvPr/>
+        </p:nvSpPr>
+        <p:spPr>
+          <a:xfrm>
+            <a:off x="1169883" y="3094177"/>
+            <a:ext cx="9852249" cy="923330"/>
+          </a:xfrm>
+          <a:prstGeom prst="rect">
+            <a:avLst/>
+          </a:prstGeom>
+          <a:noFill/>
+        </p:spPr>
+        <p:txBody>
+          <a:bodyPr wrap="none" lIns="91440" tIns="45720" rIns="91440" bIns="45720">
+            <a:spAutoFit/>
+          </a:bodyPr>
+          <a:lstStyle/>
+          <a:p>
+            <a:pPr algn="ctr"/>
+            <a:r>
+              <a:rPr lang="it-IT" sz="5400" b="1" dirty="0">
+                <a:ln w="9525">
+                  <a:solidFill>
+                    <a:schemeClr val="bg1"/>
+                  </a:solidFill>
+                  <a:prstDash val="solid"/>
+                </a:ln>
+                <a:effectLst>
+                  <a:outerShdw blurRad="12700" dist="38100" dir="2700000" algn="tl" rotWithShape="0">
+                    <a:schemeClr val="bg1">
+                      <a:lumMod val="50000"/>
+                    </a:schemeClr>
+                  </a:outerShdw>
+                </a:effectLst>
+              </a:rPr>
+              <a:t>Case study: </a:t>
+            </a:r>
+            <a:r>
+              <a:rPr lang="it-IT" sz="5400" b="1" dirty="0" err="1">
+                <a:ln w="9525">
+                  <a:solidFill>
+                    <a:schemeClr val="bg1"/>
+                  </a:solidFill>
+                  <a:prstDash val="solid"/>
+                </a:ln>
+                <a:effectLst>
+                  <a:outerShdw blurRad="12700" dist="38100" dir="2700000" algn="tl" rotWithShape="0">
+                    <a:schemeClr val="bg1">
+                      <a:lumMod val="50000"/>
+                    </a:schemeClr>
+                  </a:outerShdw>
+                </a:effectLst>
+              </a:rPr>
+              <a:t>the_look_ecommerce</a:t>
+            </a:r>
+            <a:endParaRPr lang="it-IT" sz="5400" b="1" cap="none" spc="0" dirty="0">
+              <a:ln w="9525">
+                <a:solidFill>
+                  <a:schemeClr val="bg1"/>
+                </a:solidFill>
+                <a:prstDash val="solid"/>
+              </a:ln>
+              <a:solidFill>
+                <a:schemeClr val="tx1"/>
+              </a:solidFill>
+              <a:effectLst>
+                <a:outerShdw blurRad="12700" dist="38100" dir="2700000" algn="tl" rotWithShape="0">
+                  <a:schemeClr val="bg1">
+                    <a:lumMod val="50000"/>
+                  </a:schemeClr>
+                </a:outerShdw>
+              </a:effectLst>
+            </a:endParaRPr>
+          </a:p>
+        </p:txBody>
+      </p:sp>
     </p:spTree>
     <p:extLst>
       <p:ext uri="{BB962C8B-B14F-4D97-AF65-F5344CB8AC3E}">
@@ -6063,6 +6154,74 @@
           </a:prstGeom>
         </p:spPr>
       </p:pic>
+      <p:sp>
+        <p:nvSpPr>
+          <p:cNvPr id="3" name="Rettangolo 2">
+            <a:extLst>
+              <a:ext uri="{FF2B5EF4-FFF2-40B4-BE49-F238E27FC236}">
+                <a16:creationId xmlns:a16="http://schemas.microsoft.com/office/drawing/2014/main" id="{C66F9D90-E1FA-4B34-84DE-BC36274A5F9E}"/>
+              </a:ext>
+            </a:extLst>
+          </p:cNvPr>
+          <p:cNvSpPr/>
+          <p:nvPr/>
+        </p:nvSpPr>
+        <p:spPr>
+          <a:xfrm>
+            <a:off x="4157171" y="546920"/>
+            <a:ext cx="3877664" cy="923330"/>
+          </a:xfrm>
+          <a:prstGeom prst="rect">
+            <a:avLst/>
+          </a:prstGeom>
+          <a:noFill/>
+        </p:spPr>
+        <p:txBody>
+          <a:bodyPr wrap="none" lIns="91440" tIns="45720" rIns="91440" bIns="45720">
+            <a:spAutoFit/>
+          </a:bodyPr>
+          <a:lstStyle/>
+          <a:p>
+            <a:pPr algn="ctr"/>
+            <a:r>
+              <a:rPr lang="it-IT" sz="5400" b="1" dirty="0">
+                <a:ln w="9525">
+                  <a:solidFill>
+                    <a:schemeClr val="bg1"/>
+                  </a:solidFill>
+                  <a:prstDash val="solid"/>
+                </a:ln>
+                <a:effectLst>
+                  <a:outerShdw blurRad="12700" dist="38100" dir="2700000" algn="tl" rotWithShape="0">
+                    <a:schemeClr val="bg1">
+                      <a:lumMod val="50000"/>
+                    </a:schemeClr>
+                  </a:outerShdw>
+                </a:effectLst>
+              </a:rPr>
+              <a:t>Data schema</a:t>
+            </a:r>
+            <a:endParaRPr lang="it-IT" sz="5400" b="1" cap="none" spc="0" dirty="0">
+              <a:ln w="9525">
+                <a:solidFill>
+                  <a:schemeClr val="bg1"/>
+                </a:solidFill>
+                <a:prstDash val="solid"/>
+              </a:ln>
+              <a:solidFill>
+                <a:schemeClr val="tx1"/>
+              </a:solidFill>
+              <a:effectLst>
+                <a:outerShdw blurRad="12700" dist="38100" dir="2700000" algn="tl" rotWithShape="0">
+                  <a:schemeClr val="bg1">
+                    <a:lumMod val="50000"/>
+                  </a:schemeClr>
+                </a:outerShdw>
+              </a:effectLst>
+            </a:endParaRPr>
+          </a:p>
+        </p:txBody>
+      </p:sp>
     </p:spTree>
     <p:extLst>
       <p:ext uri="{BB962C8B-B14F-4D97-AF65-F5344CB8AC3E}">
@@ -6140,6 +6299,92 @@
           </a:prstGeom>
         </p:spPr>
       </p:pic>
+      <p:sp>
+        <p:nvSpPr>
+          <p:cNvPr id="4" name="Rettangolo 3">
+            <a:extLst>
+              <a:ext uri="{FF2B5EF4-FFF2-40B4-BE49-F238E27FC236}">
+                <a16:creationId xmlns:a16="http://schemas.microsoft.com/office/drawing/2014/main" id="{178546E3-1079-AA1E-DF91-0F1BE9908378}"/>
+              </a:ext>
+            </a:extLst>
+          </p:cNvPr>
+          <p:cNvSpPr/>
+          <p:nvPr/>
+        </p:nvSpPr>
+        <p:spPr>
+          <a:xfrm>
+            <a:off x="4121905" y="546920"/>
+            <a:ext cx="3948197" cy="923330"/>
+          </a:xfrm>
+          <a:prstGeom prst="rect">
+            <a:avLst/>
+          </a:prstGeom>
+          <a:noFill/>
+        </p:spPr>
+        <p:txBody>
+          <a:bodyPr wrap="none" lIns="91440" tIns="45720" rIns="91440" bIns="45720">
+            <a:spAutoFit/>
+          </a:bodyPr>
+          <a:lstStyle/>
+          <a:p>
+            <a:pPr algn="ctr"/>
+            <a:r>
+              <a:rPr lang="it-IT" sz="5400" b="1" dirty="0">
+                <a:ln w="9525">
+                  <a:solidFill>
+                    <a:schemeClr val="bg1"/>
+                  </a:solidFill>
+                  <a:prstDash val="solid"/>
+                </a:ln>
+                <a:effectLst>
+                  <a:outerShdw blurRad="12700" dist="38100" dir="2700000" algn="tl" rotWithShape="0">
+                    <a:schemeClr val="bg1">
+                      <a:lumMod val="50000"/>
+                    </a:schemeClr>
+                  </a:outerShdw>
+                </a:effectLst>
+              </a:rPr>
+              <a:t>SQL / </a:t>
+            </a:r>
+            <a:r>
+              <a:rPr lang="it-IT" sz="5400" b="1" dirty="0" err="1">
+                <a:ln w="9525">
+                  <a:solidFill>
+                    <a:schemeClr val="bg1"/>
+                  </a:solidFill>
+                  <a:prstDash val="solid"/>
+                </a:ln>
+                <a:effectLst>
+                  <a:outerShdw blurRad="12700" dist="38100" dir="2700000" algn="tl" rotWithShape="0">
+                    <a:schemeClr val="bg1">
+                      <a:lumMod val="50000"/>
+                    </a:schemeClr>
+                  </a:outerShdw>
+                </a:effectLst>
+              </a:rPr>
+              <a:t>python</a:t>
+            </a:r>
+            <a:endParaRPr lang="it-IT" sz="5400" b="1" cap="none" spc="0" dirty="0">
+              <a:ln w="9525">
+                <a:solidFill>
+                  <a:schemeClr val="bg1"/>
+                </a:solidFill>
+                <a:prstDash val="solid"/>
+              </a:ln>
+              <a:solidFill>
+                <a:schemeClr val="tx1"/>
+              </a:solidFill>
+              <a:effectLst>
+                <a:outerShdw blurRad="12700" dist="38100" dir="2700000" algn="tl" rotWithShape="0">
+                  <a:schemeClr val="bg1">
+                    <a:lumMod val="50000"/>
+                  </a:schemeClr>
+                </a:outerShdw>
+              </a:effectLst>
+            </a:endParaRPr>
+          </a:p>
+        </p:txBody>
+      </p:sp>
     </p:spTree>
     <p:extLst>
       <p:ext uri="{BB962C8B-B14F-4D97-AF65-F5344CB8AC3E}">
@@ -6217,6 +6462,92 @@
           </a:prstGeom>
         </p:spPr>
       </p:pic>
+      <p:sp>
+        <p:nvSpPr>
+          <p:cNvPr id="3" name="Rettangolo 2">
+            <a:extLst>
+              <a:ext uri="{FF2B5EF4-FFF2-40B4-BE49-F238E27FC236}">
+                <a16:creationId xmlns:a16="http://schemas.microsoft.com/office/drawing/2014/main" id="{DC3ED4C8-4015-4EF6-6954-6D4DAED1FE88}"/>
+              </a:ext>
+            </a:extLst>
+          </p:cNvPr>
+          <p:cNvSpPr/>
+          <p:nvPr/>
+        </p:nvSpPr>
+        <p:spPr>
+          <a:xfrm>
+            <a:off x="3420179" y="546920"/>
+            <a:ext cx="5351658" cy="923330"/>
+          </a:xfrm>
+          <a:prstGeom prst="rect">
+            <a:avLst/>
+          </a:prstGeom>
+          <a:noFill/>
+        </p:spPr>
+        <p:txBody>
+          <a:bodyPr wrap="none" lIns="91440" tIns="45720" rIns="91440" bIns="45720">
+            <a:spAutoFit/>
+          </a:bodyPr>
+          <a:lstStyle/>
+          <a:p>
+            <a:pPr algn="ctr"/>
+            <a:r>
+              <a:rPr lang="it-IT" sz="5400" b="1" dirty="0">
+                <a:ln w="9525">
+                  <a:solidFill>
+                    <a:schemeClr val="bg1"/>
+                  </a:solidFill>
+                  <a:prstDash val="solid"/>
+                </a:ln>
+                <a:effectLst>
+                  <a:outerShdw blurRad="12700" dist="38100" dir="2700000" algn="tl" rotWithShape="0">
+                    <a:schemeClr val="bg1">
+                      <a:lumMod val="50000"/>
+                    </a:schemeClr>
+                  </a:outerShdw>
+                </a:effectLst>
+              </a:rPr>
+              <a:t>Data </a:t>
+            </a:r>
+            <a:r>
+              <a:rPr lang="it-IT" sz="5400" b="1" dirty="0" err="1">
+                <a:ln w="9525">
+                  <a:solidFill>
+                    <a:schemeClr val="bg1"/>
+                  </a:solidFill>
+                  <a:prstDash val="solid"/>
+                </a:ln>
+                <a:effectLst>
+                  <a:outerShdw blurRad="12700" dist="38100" dir="2700000" algn="tl" rotWithShape="0">
+                    <a:schemeClr val="bg1">
+                      <a:lumMod val="50000"/>
+                    </a:schemeClr>
+                  </a:outerShdw>
+                </a:effectLst>
+              </a:rPr>
+              <a:t>Visualization</a:t>
+            </a:r>
+            <a:endParaRPr lang="it-IT" sz="5400" b="1" cap="none" spc="0" dirty="0">
+              <a:ln w="9525">
+                <a:solidFill>
+                  <a:schemeClr val="bg1"/>
+                </a:solidFill>
+                <a:prstDash val="solid"/>
+              </a:ln>
+              <a:solidFill>
+                <a:schemeClr val="tx1"/>
+              </a:solidFill>
+              <a:effectLst>
+                <a:outerShdw blurRad="12700" dist="38100" dir="2700000" algn="tl" rotWithShape="0">
+                  <a:schemeClr val="bg1">
+                    <a:lumMod val="50000"/>
+                  </a:schemeClr>
+                </a:outerShdw>
+              </a:effectLst>
+            </a:endParaRPr>
+          </a:p>
+        </p:txBody>
+      </p:sp>
     </p:spTree>
     <p:extLst>
       <p:ext uri="{BB962C8B-B14F-4D97-AF65-F5344CB8AC3E}">

--- a/presentazione.pptx
+++ b/presentazione.pptx
@@ -346,7 +346,7 @@
             <a:fld id="{B61BEF0D-F0BB-DE4B-95CE-6DB70DBA9567}" type="datetimeFigureOut">
               <a:rPr lang="en-US" dirty="0"/>
               <a:pPr/>
-              <a:t>2/18/2026</a:t>
+              <a:t>2/20/2026</a:t>
             </a:fld>
             <a:endParaRPr lang="en-US" dirty="0"/>
           </a:p>
@@ -677,7 +677,7 @@
             <a:fld id="{B61BEF0D-F0BB-DE4B-95CE-6DB70DBA9567}" type="datetimeFigureOut">
               <a:rPr lang="en-US" dirty="0"/>
               <a:pPr/>
-              <a:t>2/18/2026</a:t>
+              <a:t>2/20/2026</a:t>
             </a:fld>
             <a:endParaRPr lang="en-US" dirty="0"/>
           </a:p>
@@ -952,7 +952,7 @@
             <a:fld id="{B61BEF0D-F0BB-DE4B-95CE-6DB70DBA9567}" type="datetimeFigureOut">
               <a:rPr lang="en-US" dirty="0"/>
               <a:pPr/>
-              <a:t>2/18/2026</a:t>
+              <a:t>2/20/2026</a:t>
             </a:fld>
             <a:endParaRPr lang="en-US" dirty="0"/>
           </a:p>
@@ -1517,7 +1517,7 @@
             <a:fld id="{B61BEF0D-F0BB-DE4B-95CE-6DB70DBA9567}" type="datetimeFigureOut">
               <a:rPr lang="en-US" dirty="0"/>
               <a:pPr/>
-              <a:t>2/18/2026</a:t>
+              <a:t>2/20/2026</a:t>
             </a:fld>
             <a:endParaRPr lang="en-US" dirty="0"/>
           </a:p>
@@ -1792,7 +1792,7 @@
             <a:fld id="{B61BEF0D-F0BB-DE4B-95CE-6DB70DBA9567}" type="datetimeFigureOut">
               <a:rPr lang="en-US" dirty="0"/>
               <a:pPr/>
-              <a:t>2/18/2026</a:t>
+              <a:t>2/20/2026</a:t>
             </a:fld>
             <a:endParaRPr lang="en-US" dirty="0"/>
           </a:p>
@@ -2351,7 +2351,7 @@
             <a:fld id="{B61BEF0D-F0BB-DE4B-95CE-6DB70DBA9567}" type="datetimeFigureOut">
               <a:rPr lang="en-US" dirty="0"/>
               <a:pPr/>
-              <a:t>2/18/2026</a:t>
+              <a:t>2/20/2026</a:t>
             </a:fld>
             <a:endParaRPr lang="en-US" dirty="0"/>
           </a:p>
@@ -2675,7 +2675,7 @@
             <a:fld id="{B61BEF0D-F0BB-DE4B-95CE-6DB70DBA9567}" type="datetimeFigureOut">
               <a:rPr lang="en-US" dirty="0"/>
               <a:pPr/>
-              <a:t>2/18/2026</a:t>
+              <a:t>2/20/2026</a:t>
             </a:fld>
             <a:endParaRPr lang="en-US" dirty="0"/>
           </a:p>
@@ -2849,7 +2849,7 @@
             <a:fld id="{B61BEF0D-F0BB-DE4B-95CE-6DB70DBA9567}" type="datetimeFigureOut">
               <a:rPr lang="en-US" dirty="0"/>
               <a:pPr/>
-              <a:t>2/18/2026</a:t>
+              <a:t>2/20/2026</a:t>
             </a:fld>
             <a:endParaRPr lang="en-US" dirty="0"/>
           </a:p>
@@ -3084,7 +3084,7 @@
             <a:fld id="{B61BEF0D-F0BB-DE4B-95CE-6DB70DBA9567}" type="datetimeFigureOut">
               <a:rPr lang="en-US" dirty="0"/>
               <a:pPr/>
-              <a:t>2/18/2026</a:t>
+              <a:t>2/20/2026</a:t>
             </a:fld>
             <a:endParaRPr lang="en-US" dirty="0"/>
           </a:p>
@@ -3281,7 +3281,7 @@
             <a:fld id="{B61BEF0D-F0BB-DE4B-95CE-6DB70DBA9567}" type="datetimeFigureOut">
               <a:rPr lang="en-US" dirty="0"/>
               <a:pPr/>
-              <a:t>2/18/2026</a:t>
+              <a:t>2/20/2026</a:t>
             </a:fld>
             <a:endParaRPr lang="en-US" dirty="0"/>
           </a:p>
@@ -3554,7 +3554,7 @@
             <a:fld id="{B61BEF0D-F0BB-DE4B-95CE-6DB70DBA9567}" type="datetimeFigureOut">
               <a:rPr lang="en-US" dirty="0"/>
               <a:pPr/>
-              <a:t>2/18/2026</a:t>
+              <a:t>2/20/2026</a:t>
             </a:fld>
             <a:endParaRPr lang="en-US" dirty="0"/>
           </a:p>
@@ -3817,7 +3817,7 @@
             <a:fld id="{B61BEF0D-F0BB-DE4B-95CE-6DB70DBA9567}" type="datetimeFigureOut">
               <a:rPr lang="en-US" dirty="0"/>
               <a:pPr/>
-              <a:t>2/18/2026</a:t>
+              <a:t>2/20/2026</a:t>
             </a:fld>
             <a:endParaRPr lang="en-US" dirty="0"/>
           </a:p>
@@ -4188,7 +4188,7 @@
             <a:fld id="{B61BEF0D-F0BB-DE4B-95CE-6DB70DBA9567}" type="datetimeFigureOut">
               <a:rPr lang="en-US" dirty="0"/>
               <a:pPr/>
-              <a:t>2/18/2026</a:t>
+              <a:t>2/20/2026</a:t>
             </a:fld>
             <a:endParaRPr lang="en-US" dirty="0"/>
           </a:p>
@@ -4333,7 +4333,7 @@
             <a:fld id="{B61BEF0D-F0BB-DE4B-95CE-6DB70DBA9567}" type="datetimeFigureOut">
               <a:rPr lang="en-US" dirty="0"/>
               <a:pPr/>
-              <a:t>2/18/2026</a:t>
+              <a:t>2/20/2026</a:t>
             </a:fld>
             <a:endParaRPr lang="en-US" dirty="0"/>
           </a:p>
@@ -4455,7 +4455,7 @@
             <a:fld id="{B61BEF0D-F0BB-DE4B-95CE-6DB70DBA9567}" type="datetimeFigureOut">
               <a:rPr lang="en-US" dirty="0"/>
               <a:pPr/>
-              <a:t>2/18/2026</a:t>
+              <a:t>2/20/2026</a:t>
             </a:fld>
             <a:endParaRPr lang="en-US" dirty="0"/>
           </a:p>
@@ -4737,7 +4737,7 @@
             <a:fld id="{B61BEF0D-F0BB-DE4B-95CE-6DB70DBA9567}" type="datetimeFigureOut">
               <a:rPr lang="en-US" dirty="0"/>
               <a:pPr/>
-              <a:t>2/18/2026</a:t>
+              <a:t>2/20/2026</a:t>
             </a:fld>
             <a:endParaRPr lang="en-US" dirty="0"/>
           </a:p>
@@ -5058,7 +5058,7 @@
             <a:fld id="{B61BEF0D-F0BB-DE4B-95CE-6DB70DBA9567}" type="datetimeFigureOut">
               <a:rPr lang="en-US" dirty="0"/>
               <a:pPr/>
-              <a:t>2/18/2026</a:t>
+              <a:t>2/20/2026</a:t>
             </a:fld>
             <a:endParaRPr lang="en-US" dirty="0"/>
           </a:p>
@@ -5269,7 +5269,7 @@
             <a:fld id="{B61BEF0D-F0BB-DE4B-95CE-6DB70DBA9567}" type="datetimeFigureOut">
               <a:rPr lang="en-US" dirty="0"/>
               <a:pPr/>
-              <a:t>2/18/2026</a:t>
+              <a:t>2/20/2026</a:t>
             </a:fld>
             <a:endParaRPr lang="en-US" dirty="0"/>
           </a:p>
@@ -6011,8 +6011,8 @@
         </p:nvSpPr>
         <p:spPr>
           <a:xfrm>
-            <a:off x="1169883" y="3094177"/>
-            <a:ext cx="9852249" cy="923330"/>
+            <a:off x="1143434" y="3094177"/>
+            <a:ext cx="9905147" cy="923330"/>
           </a:xfrm>
           <a:prstGeom prst="rect">
             <a:avLst/>
@@ -6042,25 +6042,7 @@
                   </a:outerShdw>
                 </a:effectLst>
               </a:rPr>
-              <a:t>Case study: </a:t>
-            </a:r>
-            <a:r>
-              <a:rPr lang="it-IT" sz="5400" b="1" dirty="0" err="1">
-                <a:ln w="9525">
-                  <a:solidFill>
-                    <a:schemeClr val="bg1"/>
-                  </a:solidFill>
-                  <a:prstDash val="solid"/>
-                </a:ln>
-                <a:effectLst>
-                  <a:outerShdw blurRad="12700" dist="38100" dir="2700000" algn="tl" rotWithShape="0">
-                    <a:schemeClr val="bg1">
-                      <a:lumMod val="50000"/>
-                    </a:schemeClr>
-                  </a:outerShdw>
-                </a:effectLst>
-              </a:rPr>
-              <a:t>the_look_ecommerce</a:t>
+              <a:t>Case study: The Look E-commerce</a:t>
             </a:r>
             <a:endParaRPr lang="it-IT" sz="5400" b="1" cap="none" spc="0" dirty="0">
               <a:ln w="9525">
@@ -6625,6 +6607,80 @@
           </a:prstGeom>
         </p:spPr>
       </p:pic>
+      <p:sp>
+        <p:nvSpPr>
+          <p:cNvPr id="3" name="Rettangolo 2">
+            <a:extLst>
+              <a:ext uri="{FF2B5EF4-FFF2-40B4-BE49-F238E27FC236}">
+                <a16:creationId xmlns:a16="http://schemas.microsoft.com/office/drawing/2014/main" id="{17C79AA8-7A6B-90C4-3E57-15AE8CE7F26C}"/>
+              </a:ext>
+            </a:extLst>
+          </p:cNvPr>
+          <p:cNvSpPr/>
+          <p:nvPr/>
+        </p:nvSpPr>
+        <p:spPr>
+          <a:xfrm>
+            <a:off x="3576153" y="546920"/>
+            <a:ext cx="5039714" cy="923330"/>
+          </a:xfrm>
+          <a:prstGeom prst="rect">
+            <a:avLst/>
+          </a:prstGeom>
+          <a:noFill/>
+        </p:spPr>
+        <p:txBody>
+          <a:bodyPr wrap="none" lIns="91440" tIns="45720" rIns="91440" bIns="45720">
+            <a:spAutoFit/>
+          </a:bodyPr>
+          <a:lstStyle/>
+          <a:p>
+            <a:pPr algn="ctr"/>
+            <a:r>
+              <a:rPr lang="it-IT" sz="5400" b="1" cap="none" spc="0" dirty="0" err="1">
+                <a:ln w="9525">
+                  <a:solidFill>
+                    <a:schemeClr val="bg1"/>
+                  </a:solidFill>
+                  <a:prstDash val="solid"/>
+                </a:ln>
+                <a:solidFill>
+                  <a:schemeClr val="tx1"/>
+                </a:solidFill>
+                <a:effectLst>
+                  <a:outerShdw blurRad="12700" dist="38100" dir="2700000" algn="tl" rotWithShape="0">
+                    <a:schemeClr val="bg1">
+                      <a:lumMod val="50000"/>
+                    </a:schemeClr>
+                  </a:outerShdw>
+                </a:effectLst>
+              </a:rPr>
+              <a:t>Permutation</a:t>
+            </a:r>
+            <a:r>
+              <a:rPr lang="it-IT" sz="5400" b="1" cap="none" spc="0" dirty="0">
+                <a:ln w="9525">
+                  <a:solidFill>
+                    <a:schemeClr val="bg1"/>
+                  </a:solidFill>
+                  <a:prstDash val="solid"/>
+                </a:ln>
+                <a:solidFill>
+                  <a:schemeClr val="tx1"/>
+                </a:solidFill>
+                <a:effectLst>
+                  <a:outerShdw blurRad="12700" dist="38100" dir="2700000" algn="tl" rotWithShape="0">
+                    <a:schemeClr val="bg1">
+                      <a:lumMod val="50000"/>
+                    </a:schemeClr>
+                  </a:outerShdw>
+                </a:effectLst>
+              </a:rPr>
+              <a:t> test</a:t>
+            </a:r>
+          </a:p>
+        </p:txBody>
+      </p:sp>
     </p:spTree>
     <p:extLst>
       <p:ext uri="{BB962C8B-B14F-4D97-AF65-F5344CB8AC3E}">

--- a/presentazione.pptx
+++ b/presentazione.pptx
@@ -346,7 +346,7 @@
             <a:fld id="{B61BEF0D-F0BB-DE4B-95CE-6DB70DBA9567}" type="datetimeFigureOut">
               <a:rPr lang="en-US" dirty="0"/>
               <a:pPr/>
-              <a:t>2/20/2026</a:t>
+              <a:t>2/21/2026</a:t>
             </a:fld>
             <a:endParaRPr lang="en-US" dirty="0"/>
           </a:p>
@@ -677,7 +677,7 @@
             <a:fld id="{B61BEF0D-F0BB-DE4B-95CE-6DB70DBA9567}" type="datetimeFigureOut">
               <a:rPr lang="en-US" dirty="0"/>
               <a:pPr/>
-              <a:t>2/20/2026</a:t>
+              <a:t>2/21/2026</a:t>
             </a:fld>
             <a:endParaRPr lang="en-US" dirty="0"/>
           </a:p>
@@ -952,7 +952,7 @@
             <a:fld id="{B61BEF0D-F0BB-DE4B-95CE-6DB70DBA9567}" type="datetimeFigureOut">
               <a:rPr lang="en-US" dirty="0"/>
               <a:pPr/>
-              <a:t>2/20/2026</a:t>
+              <a:t>2/21/2026</a:t>
             </a:fld>
             <a:endParaRPr lang="en-US" dirty="0"/>
           </a:p>
@@ -1517,7 +1517,7 @@
             <a:fld id="{B61BEF0D-F0BB-DE4B-95CE-6DB70DBA9567}" type="datetimeFigureOut">
               <a:rPr lang="en-US" dirty="0"/>
               <a:pPr/>
-              <a:t>2/20/2026</a:t>
+              <a:t>2/21/2026</a:t>
             </a:fld>
             <a:endParaRPr lang="en-US" dirty="0"/>
           </a:p>
@@ -1792,7 +1792,7 @@
             <a:fld id="{B61BEF0D-F0BB-DE4B-95CE-6DB70DBA9567}" type="datetimeFigureOut">
               <a:rPr lang="en-US" dirty="0"/>
               <a:pPr/>
-              <a:t>2/20/2026</a:t>
+              <a:t>2/21/2026</a:t>
             </a:fld>
             <a:endParaRPr lang="en-US" dirty="0"/>
           </a:p>
@@ -2351,7 +2351,7 @@
             <a:fld id="{B61BEF0D-F0BB-DE4B-95CE-6DB70DBA9567}" type="datetimeFigureOut">
               <a:rPr lang="en-US" dirty="0"/>
               <a:pPr/>
-              <a:t>2/20/2026</a:t>
+              <a:t>2/21/2026</a:t>
             </a:fld>
             <a:endParaRPr lang="en-US" dirty="0"/>
           </a:p>
@@ -2675,7 +2675,7 @@
             <a:fld id="{B61BEF0D-F0BB-DE4B-95CE-6DB70DBA9567}" type="datetimeFigureOut">
               <a:rPr lang="en-US" dirty="0"/>
               <a:pPr/>
-              <a:t>2/20/2026</a:t>
+              <a:t>2/21/2026</a:t>
             </a:fld>
             <a:endParaRPr lang="en-US" dirty="0"/>
           </a:p>
@@ -2849,7 +2849,7 @@
             <a:fld id="{B61BEF0D-F0BB-DE4B-95CE-6DB70DBA9567}" type="datetimeFigureOut">
               <a:rPr lang="en-US" dirty="0"/>
               <a:pPr/>
-              <a:t>2/20/2026</a:t>
+              <a:t>2/21/2026</a:t>
             </a:fld>
             <a:endParaRPr lang="en-US" dirty="0"/>
           </a:p>
@@ -3084,7 +3084,7 @@
             <a:fld id="{B61BEF0D-F0BB-DE4B-95CE-6DB70DBA9567}" type="datetimeFigureOut">
               <a:rPr lang="en-US" dirty="0"/>
               <a:pPr/>
-              <a:t>2/20/2026</a:t>
+              <a:t>2/21/2026</a:t>
             </a:fld>
             <a:endParaRPr lang="en-US" dirty="0"/>
           </a:p>
@@ -3281,7 +3281,7 @@
             <a:fld id="{B61BEF0D-F0BB-DE4B-95CE-6DB70DBA9567}" type="datetimeFigureOut">
               <a:rPr lang="en-US" dirty="0"/>
               <a:pPr/>
-              <a:t>2/20/2026</a:t>
+              <a:t>2/21/2026</a:t>
             </a:fld>
             <a:endParaRPr lang="en-US" dirty="0"/>
           </a:p>
@@ -3554,7 +3554,7 @@
             <a:fld id="{B61BEF0D-F0BB-DE4B-95CE-6DB70DBA9567}" type="datetimeFigureOut">
               <a:rPr lang="en-US" dirty="0"/>
               <a:pPr/>
-              <a:t>2/20/2026</a:t>
+              <a:t>2/21/2026</a:t>
             </a:fld>
             <a:endParaRPr lang="en-US" dirty="0"/>
           </a:p>
@@ -3817,7 +3817,7 @@
             <a:fld id="{B61BEF0D-F0BB-DE4B-95CE-6DB70DBA9567}" type="datetimeFigureOut">
               <a:rPr lang="en-US" dirty="0"/>
               <a:pPr/>
-              <a:t>2/20/2026</a:t>
+              <a:t>2/21/2026</a:t>
             </a:fld>
             <a:endParaRPr lang="en-US" dirty="0"/>
           </a:p>
@@ -4188,7 +4188,7 @@
             <a:fld id="{B61BEF0D-F0BB-DE4B-95CE-6DB70DBA9567}" type="datetimeFigureOut">
               <a:rPr lang="en-US" dirty="0"/>
               <a:pPr/>
-              <a:t>2/20/2026</a:t>
+              <a:t>2/21/2026</a:t>
             </a:fld>
             <a:endParaRPr lang="en-US" dirty="0"/>
           </a:p>
@@ -4333,7 +4333,7 @@
             <a:fld id="{B61BEF0D-F0BB-DE4B-95CE-6DB70DBA9567}" type="datetimeFigureOut">
               <a:rPr lang="en-US" dirty="0"/>
               <a:pPr/>
-              <a:t>2/20/2026</a:t>
+              <a:t>2/21/2026</a:t>
             </a:fld>
             <a:endParaRPr lang="en-US" dirty="0"/>
           </a:p>
@@ -4455,7 +4455,7 @@
             <a:fld id="{B61BEF0D-F0BB-DE4B-95CE-6DB70DBA9567}" type="datetimeFigureOut">
               <a:rPr lang="en-US" dirty="0"/>
               <a:pPr/>
-              <a:t>2/20/2026</a:t>
+              <a:t>2/21/2026</a:t>
             </a:fld>
             <a:endParaRPr lang="en-US" dirty="0"/>
           </a:p>
@@ -4737,7 +4737,7 @@
             <a:fld id="{B61BEF0D-F0BB-DE4B-95CE-6DB70DBA9567}" type="datetimeFigureOut">
               <a:rPr lang="en-US" dirty="0"/>
               <a:pPr/>
-              <a:t>2/20/2026</a:t>
+              <a:t>2/21/2026</a:t>
             </a:fld>
             <a:endParaRPr lang="en-US" dirty="0"/>
           </a:p>
@@ -5058,7 +5058,7 @@
             <a:fld id="{B61BEF0D-F0BB-DE4B-95CE-6DB70DBA9567}" type="datetimeFigureOut">
               <a:rPr lang="en-US" dirty="0"/>
               <a:pPr/>
-              <a:t>2/20/2026</a:t>
+              <a:t>2/21/2026</a:t>
             </a:fld>
             <a:endParaRPr lang="en-US" dirty="0"/>
           </a:p>
@@ -5269,7 +5269,7 @@
             <a:fld id="{B61BEF0D-F0BB-DE4B-95CE-6DB70DBA9567}" type="datetimeFigureOut">
               <a:rPr lang="en-US" dirty="0"/>
               <a:pPr/>
-              <a:t>2/20/2026</a:t>
+              <a:t>2/21/2026</a:t>
             </a:fld>
             <a:endParaRPr lang="en-US" dirty="0"/>
           </a:p>
@@ -6150,8 +6150,8 @@
         </p:nvSpPr>
         <p:spPr>
           <a:xfrm>
-            <a:off x="4157171" y="546920"/>
-            <a:ext cx="3877664" cy="923330"/>
+            <a:off x="1380320" y="63594"/>
+            <a:ext cx="9431364" cy="923330"/>
           </a:xfrm>
           <a:prstGeom prst="rect">
             <a:avLst/>
@@ -6181,7 +6181,25 @@
                   </a:outerShdw>
                 </a:effectLst>
               </a:rPr>
-              <a:t>Data schema</a:t>
+              <a:t>Star schema and data </a:t>
+            </a:r>
+            <a:r>
+              <a:rPr lang="it-IT" sz="5400" b="1" dirty="0" err="1">
+                <a:ln w="9525">
+                  <a:solidFill>
+                    <a:schemeClr val="bg1"/>
+                  </a:solidFill>
+                  <a:prstDash val="solid"/>
+                </a:ln>
+                <a:effectLst>
+                  <a:outerShdw blurRad="12700" dist="38100" dir="2700000" algn="tl" rotWithShape="0">
+                    <a:schemeClr val="bg1">
+                      <a:lumMod val="50000"/>
+                    </a:schemeClr>
+                  </a:outerShdw>
+                </a:effectLst>
+              </a:rPr>
+              <a:t>extraction</a:t>
             </a:r>
             <a:endParaRPr lang="it-IT" sz="5400" b="1" cap="none" spc="0" dirty="0">
               <a:ln w="9525">
@@ -6204,6 +6222,166 @@
           </a:p>
         </p:txBody>
       </p:sp>
+      <p:sp>
+        <p:nvSpPr>
+          <p:cNvPr id="6" name="CasellaDiTesto 5">
+            <a:extLst>
+              <a:ext uri="{FF2B5EF4-FFF2-40B4-BE49-F238E27FC236}">
+                <a16:creationId xmlns:a16="http://schemas.microsoft.com/office/drawing/2014/main" id="{E48C97E8-C336-5C45-2913-EA4381449049}"/>
+              </a:ext>
+            </a:extLst>
+          </p:cNvPr>
+          <p:cNvSpPr txBox="1"/>
+          <p:nvPr/>
+        </p:nvSpPr>
+        <p:spPr>
+          <a:xfrm>
+            <a:off x="6838406" y="1365069"/>
+            <a:ext cx="4251960" cy="5078313"/>
+          </a:xfrm>
+          <a:prstGeom prst="rect">
+            <a:avLst/>
+          </a:prstGeom>
+          <a:noFill/>
+        </p:spPr>
+        <p:txBody>
+          <a:bodyPr wrap="square" rtlCol="0">
+            <a:spAutoFit/>
+          </a:bodyPr>
+          <a:lstStyle/>
+          <a:p>
+            <a:pPr marL="285750" indent="-285750">
+              <a:buFont typeface="Arial" panose="020B0604020202020204" pitchFamily="34" charset="0"/>
+              <a:buChar char="•"/>
+            </a:pPr>
+            <a:r>
+              <a:rPr lang="it-IT" sz="3600" dirty="0" err="1"/>
+              <a:t>Dataframe</a:t>
+            </a:r>
+            <a:r>
+              <a:rPr lang="it-IT" sz="3600" dirty="0"/>
+              <a:t> </a:t>
+            </a:r>
+            <a:r>
+              <a:rPr lang="it-IT" sz="3600" dirty="0" err="1"/>
+              <a:t>preliminary</a:t>
+            </a:r>
+            <a:r>
+              <a:rPr lang="it-IT" sz="3600" dirty="0"/>
+              <a:t> </a:t>
+            </a:r>
+            <a:r>
+              <a:rPr lang="it-IT" sz="3600" dirty="0" err="1"/>
+              <a:t>analysis</a:t>
+            </a:r>
+            <a:endParaRPr lang="it-IT" sz="3600" dirty="0"/>
+          </a:p>
+          <a:p>
+            <a:pPr marL="285750" indent="-285750">
+              <a:buFont typeface="Arial" panose="020B0604020202020204" pitchFamily="34" charset="0"/>
+              <a:buChar char="•"/>
+            </a:pPr>
+            <a:r>
+              <a:rPr lang="it-IT" sz="3600" dirty="0"/>
+              <a:t>Star schema</a:t>
+            </a:r>
+          </a:p>
+          <a:p>
+            <a:pPr marL="285750" indent="-285750">
+              <a:buFont typeface="Arial" panose="020B0604020202020204" pitchFamily="34" charset="0"/>
+              <a:buChar char="•"/>
+            </a:pPr>
+            <a:r>
+              <a:rPr lang="it-IT" sz="3600" dirty="0"/>
+              <a:t>Data </a:t>
+            </a:r>
+            <a:r>
+              <a:rPr lang="it-IT" sz="3600" dirty="0" err="1"/>
+              <a:t>selection</a:t>
+            </a:r>
+            <a:endParaRPr lang="it-IT" sz="3600" dirty="0"/>
+          </a:p>
+          <a:p>
+            <a:pPr marL="285750" indent="-285750">
+              <a:buFont typeface="Arial" panose="020B0604020202020204" pitchFamily="34" charset="0"/>
+              <a:buChar char="•"/>
+            </a:pPr>
+            <a:r>
+              <a:rPr lang="it-IT" sz="3600" dirty="0"/>
+              <a:t>SQL queries for data </a:t>
+            </a:r>
+            <a:r>
+              <a:rPr lang="it-IT" sz="3600" dirty="0" err="1"/>
+              <a:t>extraction</a:t>
+            </a:r>
+            <a:r>
+              <a:rPr lang="it-IT" sz="3600" dirty="0"/>
+              <a:t> and date format </a:t>
+            </a:r>
+            <a:r>
+              <a:rPr lang="it-IT" sz="3600" dirty="0" err="1"/>
+              <a:t>correction</a:t>
+            </a:r>
+            <a:endParaRPr lang="it-IT" sz="3600" dirty="0"/>
+          </a:p>
+          <a:p>
+            <a:pPr marL="285750" indent="-285750">
+              <a:buFont typeface="Arial" panose="020B0604020202020204" pitchFamily="34" charset="0"/>
+              <a:buChar char="•"/>
+            </a:pPr>
+            <a:r>
+              <a:rPr lang="it-IT" sz="3600" dirty="0"/>
+              <a:t>.csv download</a:t>
+            </a:r>
+          </a:p>
+          <a:p>
+            <a:pPr marL="285750" indent="-285750">
+              <a:buFont typeface="Arial" panose="020B0604020202020204" pitchFamily="34" charset="0"/>
+              <a:buChar char="•"/>
+            </a:pPr>
+            <a:endParaRPr lang="it-IT" dirty="0"/>
+          </a:p>
+          <a:p>
+            <a:endParaRPr lang="it-IT" dirty="0"/>
+          </a:p>
+        </p:txBody>
+      </p:sp>
+      <p:pic>
+        <p:nvPicPr>
+          <p:cNvPr id="8" name="Elemento grafico 7">
+            <a:extLst>
+              <a:ext uri="{FF2B5EF4-FFF2-40B4-BE49-F238E27FC236}">
+                <a16:creationId xmlns:a16="http://schemas.microsoft.com/office/drawing/2014/main" id="{682706B9-3F19-389F-E284-7F1295E19EE6}"/>
+              </a:ext>
+            </a:extLst>
+          </p:cNvPr>
+          <p:cNvPicPr>
+            <a:picLocks noChangeAspect="1"/>
+          </p:cNvPicPr>
+          <p:nvPr/>
+        </p:nvPicPr>
+        <p:blipFill>
+          <a:blip r:embed="rId3">
+            <a:extLst>
+              <a:ext uri="{96DAC541-7B7A-43D3-8B79-37D633B846F1}">
+                <asvg:svgBlip xmlns:asvg="http://schemas.microsoft.com/office/drawing/2016/SVG/main" r:embed="rId4"/>
+              </a:ext>
+            </a:extLst>
+          </a:blip>
+          <a:stretch>
+            <a:fillRect/>
+          </a:stretch>
+        </p:blipFill>
+        <p:spPr>
+          <a:xfrm>
+            <a:off x="502920" y="1045028"/>
+            <a:ext cx="5727313" cy="5588035"/>
+          </a:xfrm>
+          <a:prstGeom prst="rect">
+            <a:avLst/>
+          </a:prstGeom>
+        </p:spPr>
+      </p:pic>
     </p:spTree>
     <p:extLst>
       <p:ext uri="{BB962C8B-B14F-4D97-AF65-F5344CB8AC3E}">
@@ -6295,8 +6473,8 @@
         </p:nvSpPr>
         <p:spPr>
           <a:xfrm>
-            <a:off x="4121905" y="546920"/>
-            <a:ext cx="3948197" cy="923330"/>
+            <a:off x="2387611" y="293913"/>
+            <a:ext cx="7749301" cy="923330"/>
           </a:xfrm>
           <a:prstGeom prst="rect">
             <a:avLst/>
@@ -6326,7 +6504,7 @@
                   </a:outerShdw>
                 </a:effectLst>
               </a:rPr>
-              <a:t>SQL / </a:t>
+              <a:t>Data </a:t>
             </a:r>
             <a:r>
               <a:rPr lang="it-IT" sz="5400" b="1" dirty="0" err="1">
@@ -6344,18 +6522,51 @@
                   </a:outerShdw>
                 </a:effectLst>
               </a:rPr>
-              <a:t>python</a:t>
-            </a:r>
-            <a:endParaRPr lang="it-IT" sz="5400" b="1" cap="none" spc="0" dirty="0">
+              <a:t>cleaning</a:t>
+            </a:r>
+            <a:r>
+              <a:rPr lang="it-IT" sz="5400" b="1" dirty="0">
+                <a:ln w="9525">
+                  <a:solidFill>
+                    <a:schemeClr val="bg1"/>
+                  </a:solidFill>
+                  <a:prstDash val="solid"/>
+                </a:ln>
+                <a:effectLst>
+                  <a:outerShdw blurRad="12700" dist="38100" dir="2700000" algn="tl" rotWithShape="0">
+                    <a:schemeClr val="bg1">
+                      <a:lumMod val="50000"/>
+                    </a:schemeClr>
+                  </a:outerShdw>
+                </a:effectLst>
+              </a:rPr>
+              <a:t> and </a:t>
+            </a:r>
+            <a:r>
+              <a:rPr lang="it-IT" sz="5400" b="1" dirty="0" err="1">
+                <a:ln w="9525">
+                  <a:solidFill>
+                    <a:schemeClr val="bg1"/>
+                  </a:solidFill>
+                  <a:prstDash val="solid"/>
+                </a:ln>
+                <a:effectLst>
+                  <a:outerShdw blurRad="12700" dist="38100" dir="2700000" algn="tl" rotWithShape="0">
+                    <a:schemeClr val="bg1">
+                      <a:lumMod val="50000"/>
+                    </a:schemeClr>
+                  </a:outerShdw>
+                </a:effectLst>
+              </a:rPr>
+              <a:t>analysis</a:t>
+            </a:r>
+            <a:endParaRPr lang="it-IT" sz="5400" b="1" dirty="0">
               <a:ln w="9525">
                 <a:solidFill>
                   <a:schemeClr val="bg1"/>
                 </a:solidFill>
                 <a:prstDash val="solid"/>
               </a:ln>
-              <a:solidFill>
-                <a:schemeClr val="tx1"/>
-              </a:solidFill>
               <a:effectLst>
                 <a:outerShdw blurRad="12700" dist="38100" dir="2700000" algn="tl" rotWithShape="0">
                   <a:schemeClr val="bg1">
@@ -6367,6 +6578,174 @@
           </a:p>
         </p:txBody>
       </p:sp>
+      <p:sp>
+        <p:nvSpPr>
+          <p:cNvPr id="3" name="CasellaDiTesto 2">
+            <a:extLst>
+              <a:ext uri="{FF2B5EF4-FFF2-40B4-BE49-F238E27FC236}">
+                <a16:creationId xmlns:a16="http://schemas.microsoft.com/office/drawing/2014/main" id="{CBD9DB9A-CF06-6E9D-2C12-C756D706D1F3}"/>
+              </a:ext>
+            </a:extLst>
+          </p:cNvPr>
+          <p:cNvSpPr txBox="1"/>
+          <p:nvPr/>
+        </p:nvSpPr>
+        <p:spPr>
+          <a:xfrm>
+            <a:off x="1623156" y="2190284"/>
+            <a:ext cx="7675221" cy="3416320"/>
+          </a:xfrm>
+          <a:prstGeom prst="rect">
+            <a:avLst/>
+          </a:prstGeom>
+          <a:noFill/>
+        </p:spPr>
+        <p:txBody>
+          <a:bodyPr wrap="square" rtlCol="0">
+            <a:spAutoFit/>
+          </a:bodyPr>
+          <a:lstStyle/>
+          <a:p>
+            <a:pPr marL="285750" indent="-285750">
+              <a:buFont typeface="Arial" panose="020B0604020202020204" pitchFamily="34" charset="0"/>
+              <a:buChar char="•"/>
+            </a:pPr>
+            <a:r>
+              <a:rPr lang="it-IT" sz="3600" dirty="0"/>
+              <a:t>.csv import</a:t>
+            </a:r>
+          </a:p>
+          <a:p>
+            <a:pPr marL="285750" indent="-285750">
+              <a:buFont typeface="Arial" panose="020B0604020202020204" pitchFamily="34" charset="0"/>
+              <a:buChar char="•"/>
+            </a:pPr>
+            <a:r>
+              <a:rPr lang="it-IT" sz="3600" dirty="0"/>
+              <a:t>Format check</a:t>
+            </a:r>
+          </a:p>
+          <a:p>
+            <a:pPr marL="285750" indent="-285750">
+              <a:buFont typeface="Arial" panose="020B0604020202020204" pitchFamily="34" charset="0"/>
+              <a:buChar char="•"/>
+            </a:pPr>
+            <a:r>
+              <a:rPr lang="it-IT" sz="3600" dirty="0"/>
+              <a:t>Data </a:t>
+            </a:r>
+            <a:r>
+              <a:rPr lang="it-IT" sz="3600" dirty="0" err="1"/>
+              <a:t>validation</a:t>
+            </a:r>
+            <a:endParaRPr lang="it-IT" sz="3600" dirty="0"/>
+          </a:p>
+          <a:p>
+            <a:pPr marL="285750" indent="-285750">
+              <a:buFont typeface="Arial" panose="020B0604020202020204" pitchFamily="34" charset="0"/>
+              <a:buChar char="•"/>
+            </a:pPr>
+            <a:r>
+              <a:rPr lang="it-IT" sz="3600" dirty="0" err="1"/>
+              <a:t>Descriptive</a:t>
+            </a:r>
+            <a:r>
+              <a:rPr lang="it-IT" sz="3600" dirty="0"/>
+              <a:t> </a:t>
+            </a:r>
+            <a:r>
+              <a:rPr lang="it-IT" sz="3600" dirty="0" err="1"/>
+              <a:t>statistics</a:t>
+            </a:r>
+            <a:endParaRPr lang="it-IT" sz="3600" dirty="0"/>
+          </a:p>
+          <a:p>
+            <a:pPr marL="285750" indent="-285750">
+              <a:buFont typeface="Arial" panose="020B0604020202020204" pitchFamily="34" charset="0"/>
+              <a:buChar char="•"/>
+            </a:pPr>
+            <a:r>
+              <a:rPr lang="it-IT" sz="3600" dirty="0" err="1"/>
+              <a:t>Supplementary</a:t>
+            </a:r>
+            <a:r>
+              <a:rPr lang="it-IT" sz="3600" dirty="0"/>
+              <a:t> </a:t>
+            </a:r>
+            <a:r>
+              <a:rPr lang="it-IT" sz="3600" dirty="0" err="1"/>
+              <a:t>columns</a:t>
+            </a:r>
+            <a:r>
+              <a:rPr lang="it-IT" sz="3600" dirty="0"/>
+              <a:t> </a:t>
+            </a:r>
+            <a:r>
+              <a:rPr lang="it-IT" sz="3600" dirty="0" err="1"/>
+              <a:t>calculation</a:t>
+            </a:r>
+            <a:endParaRPr lang="it-IT" sz="3600" dirty="0"/>
+          </a:p>
+          <a:p>
+            <a:pPr marL="285750" indent="-285750">
+              <a:buFont typeface="Arial" panose="020B0604020202020204" pitchFamily="34" charset="0"/>
+              <a:buChar char="•"/>
+            </a:pPr>
+            <a:r>
+              <a:rPr lang="it-IT" sz="3600" dirty="0"/>
+              <a:t>.csv export</a:t>
+            </a:r>
+            <a:endParaRPr lang="it-IT" dirty="0"/>
+          </a:p>
+        </p:txBody>
+      </p:sp>
+      <p:pic>
+        <p:nvPicPr>
+          <p:cNvPr id="1028" name="Picture 4" descr="Python Logo">
+            <a:extLst>
+              <a:ext uri="{FF2B5EF4-FFF2-40B4-BE49-F238E27FC236}">
+                <a16:creationId xmlns:a16="http://schemas.microsoft.com/office/drawing/2014/main" id="{F4D1DC8C-CB87-C173-8E0F-1CA9A6CB21C3}"/>
+              </a:ext>
+            </a:extLst>
+          </p:cNvPr>
+          <p:cNvPicPr>
+            <a:picLocks noChangeAspect="1" noChangeArrowheads="1"/>
+          </p:cNvPicPr>
+          <p:nvPr/>
+        </p:nvPicPr>
+        <p:blipFill>
+          <a:blip r:embed="rId3">
+            <a:extLst>
+              <a:ext uri="{28A0092B-C50C-407E-A947-70E740481C1C}">
+                <a14:useLocalDpi xmlns:a14="http://schemas.microsoft.com/office/drawing/2010/main" val="0"/>
+              </a:ext>
+            </a:extLst>
+          </a:blip>
+          <a:srcRect/>
+          <a:stretch>
+            <a:fillRect/>
+          </a:stretch>
+        </p:blipFill>
+        <p:spPr bwMode="auto">
+          <a:xfrm>
+            <a:off x="6179275" y="1251396"/>
+            <a:ext cx="4762500" cy="2981325"/>
+          </a:xfrm>
+          <a:prstGeom prst="rect">
+            <a:avLst/>
+          </a:prstGeom>
+          <a:noFill/>
+          <a:extLst>
+            <a:ext uri="{909E8E84-426E-40DD-AFC4-6F175D3DCCD1}">
+              <a14:hiddenFill xmlns:a14="http://schemas.microsoft.com/office/drawing/2010/main">
+                <a:solidFill>
+                  <a:srgbClr val="FFFFFF"/>
+                </a:solidFill>
+              </a14:hiddenFill>
+            </a:ext>
+          </a:extLst>
+        </p:spPr>
+      </p:pic>
     </p:spTree>
     <p:extLst>
       <p:ext uri="{BB962C8B-B14F-4D97-AF65-F5344CB8AC3E}">
@@ -6458,7 +6837,7 @@
         </p:nvSpPr>
         <p:spPr>
           <a:xfrm>
-            <a:off x="3420179" y="546920"/>
+            <a:off x="3420179" y="181178"/>
             <a:ext cx="5351658" cy="923330"/>
           </a:xfrm>
           <a:prstGeom prst="rect">
@@ -6530,6 +6909,221 @@
           </a:p>
         </p:txBody>
       </p:sp>
+      <p:sp>
+        <p:nvSpPr>
+          <p:cNvPr id="4" name="CasellaDiTesto 3">
+            <a:extLst>
+              <a:ext uri="{FF2B5EF4-FFF2-40B4-BE49-F238E27FC236}">
+                <a16:creationId xmlns:a16="http://schemas.microsoft.com/office/drawing/2014/main" id="{B9600663-6CF6-6628-C43A-2C507F1BF14E}"/>
+              </a:ext>
+            </a:extLst>
+          </p:cNvPr>
+          <p:cNvSpPr txBox="1"/>
+          <p:nvPr/>
+        </p:nvSpPr>
+        <p:spPr>
+          <a:xfrm>
+            <a:off x="6235337" y="1582340"/>
+            <a:ext cx="5351658" cy="3693319"/>
+          </a:xfrm>
+          <a:prstGeom prst="rect">
+            <a:avLst/>
+          </a:prstGeom>
+          <a:noFill/>
+        </p:spPr>
+        <p:txBody>
+          <a:bodyPr wrap="square" rtlCol="0">
+            <a:spAutoFit/>
+          </a:bodyPr>
+          <a:lstStyle/>
+          <a:p>
+            <a:pPr marL="285750" indent="-285750">
+              <a:buFont typeface="Arial" panose="020B0604020202020204" pitchFamily="34" charset="0"/>
+              <a:buChar char="•"/>
+            </a:pPr>
+            <a:r>
+              <a:rPr lang="it-IT" sz="3600" dirty="0"/>
+              <a:t>Data import</a:t>
+            </a:r>
+          </a:p>
+          <a:p>
+            <a:pPr marL="285750" indent="-285750">
+              <a:buFont typeface="Arial" panose="020B0604020202020204" pitchFamily="34" charset="0"/>
+              <a:buChar char="•"/>
+            </a:pPr>
+            <a:r>
+              <a:rPr lang="it-IT" sz="3600" dirty="0"/>
+              <a:t>KPI </a:t>
+            </a:r>
+            <a:r>
+              <a:rPr lang="it-IT" sz="3600" dirty="0" err="1"/>
+              <a:t>definition</a:t>
+            </a:r>
+            <a:endParaRPr lang="it-IT" sz="3600" dirty="0"/>
+          </a:p>
+          <a:p>
+            <a:pPr marL="285750" indent="-285750">
+              <a:buFont typeface="Arial" panose="020B0604020202020204" pitchFamily="34" charset="0"/>
+              <a:buChar char="•"/>
+            </a:pPr>
+            <a:r>
+              <a:rPr lang="it-IT" sz="3600" dirty="0"/>
+              <a:t>Layout </a:t>
+            </a:r>
+            <a:r>
+              <a:rPr lang="it-IT" sz="3600" dirty="0" err="1"/>
+              <a:t>definition</a:t>
+            </a:r>
+            <a:endParaRPr lang="it-IT" sz="3600" dirty="0"/>
+          </a:p>
+          <a:p>
+            <a:pPr marL="285750" indent="-285750">
+              <a:buFont typeface="Arial" panose="020B0604020202020204" pitchFamily="34" charset="0"/>
+              <a:buChar char="•"/>
+            </a:pPr>
+            <a:r>
+              <a:rPr lang="it-IT" sz="3600" dirty="0" err="1"/>
+              <a:t>Measure</a:t>
+            </a:r>
+            <a:r>
+              <a:rPr lang="it-IT" sz="3600" dirty="0"/>
+              <a:t> </a:t>
+            </a:r>
+            <a:r>
+              <a:rPr lang="it-IT" sz="3600" dirty="0" err="1"/>
+              <a:t>creation</a:t>
+            </a:r>
+            <a:endParaRPr lang="it-IT" sz="3600" dirty="0"/>
+          </a:p>
+          <a:p>
+            <a:pPr marL="285750" indent="-285750">
+              <a:buFont typeface="Arial" panose="020B0604020202020204" pitchFamily="34" charset="0"/>
+              <a:buChar char="•"/>
+            </a:pPr>
+            <a:r>
+              <a:rPr lang="it-IT" sz="3600" dirty="0"/>
+              <a:t>Visuals </a:t>
+            </a:r>
+            <a:r>
+              <a:rPr lang="it-IT" sz="3600" dirty="0" err="1"/>
+              <a:t>configuration</a:t>
+            </a:r>
+            <a:endParaRPr lang="it-IT" sz="3600" dirty="0"/>
+          </a:p>
+          <a:p>
+            <a:pPr marL="285750" indent="-285750">
+              <a:buFont typeface="Arial" panose="020B0604020202020204" pitchFamily="34" charset="0"/>
+              <a:buChar char="•"/>
+            </a:pPr>
+            <a:r>
+              <a:rPr lang="it-IT" sz="3600" dirty="0"/>
+              <a:t>Graphic </a:t>
+            </a:r>
+            <a:r>
+              <a:rPr lang="it-IT" sz="3600" dirty="0" err="1"/>
+              <a:t>adjustments</a:t>
+            </a:r>
+            <a:endParaRPr lang="it-IT" dirty="0"/>
+          </a:p>
+          <a:p>
+            <a:endParaRPr lang="it-IT" dirty="0"/>
+          </a:p>
+        </p:txBody>
+      </p:sp>
+      <p:pic>
+        <p:nvPicPr>
+          <p:cNvPr id="2054" name="Picture 6" descr="Microsoft Power BI Logo and symbol, meaning, history, PNG, brand">
+            <a:extLst>
+              <a:ext uri="{FF2B5EF4-FFF2-40B4-BE49-F238E27FC236}">
+                <a16:creationId xmlns:a16="http://schemas.microsoft.com/office/drawing/2014/main" id="{74A304F7-749C-F8DF-7DBE-F6DC9B9EA5C3}"/>
+              </a:ext>
+            </a:extLst>
+          </p:cNvPr>
+          <p:cNvPicPr>
+            <a:picLocks noChangeAspect="1" noChangeArrowheads="1"/>
+          </p:cNvPicPr>
+          <p:nvPr/>
+        </p:nvPicPr>
+        <p:blipFill>
+          <a:blip r:embed="rId3">
+            <a:extLst>
+              <a:ext uri="{28A0092B-C50C-407E-A947-70E740481C1C}">
+                <a14:useLocalDpi xmlns:a14="http://schemas.microsoft.com/office/drawing/2010/main" val="0"/>
+              </a:ext>
+            </a:extLst>
+          </a:blip>
+          <a:srcRect/>
+          <a:stretch>
+            <a:fillRect/>
+          </a:stretch>
+        </p:blipFill>
+        <p:spPr bwMode="auto">
+          <a:xfrm>
+            <a:off x="828242" y="1764884"/>
+            <a:ext cx="4480031" cy="2520017"/>
+          </a:xfrm>
+          <a:prstGeom prst="rect">
+            <a:avLst/>
+          </a:prstGeom>
+          <a:noFill/>
+          <a:extLst>
+            <a:ext uri="{909E8E84-426E-40DD-AFC4-6F175D3DCCD1}">
+              <a14:hiddenFill xmlns:a14="http://schemas.microsoft.com/office/drawing/2010/main">
+                <a:solidFill>
+                  <a:srgbClr val="FFFFFF"/>
+                </a:solidFill>
+              </a14:hiddenFill>
+            </a:ext>
+          </a:extLst>
+        </p:spPr>
+      </p:pic>
+      <p:pic>
+        <p:nvPicPr>
+          <p:cNvPr id="2056" name="Picture 8" descr="Power Bi Logo PNG Images Transparent Free Download">
+            <a:extLst>
+              <a:ext uri="{FF2B5EF4-FFF2-40B4-BE49-F238E27FC236}">
+                <a16:creationId xmlns:a16="http://schemas.microsoft.com/office/drawing/2014/main" id="{4A135F73-721B-1863-CEC1-17CEE85003AB}"/>
+              </a:ext>
+            </a:extLst>
+          </p:cNvPr>
+          <p:cNvPicPr>
+            <a:picLocks noChangeAspect="1" noChangeArrowheads="1"/>
+          </p:cNvPicPr>
+          <p:nvPr/>
+        </p:nvPicPr>
+        <p:blipFill rotWithShape="1">
+          <a:blip r:embed="rId4">
+            <a:extLst>
+              <a:ext uri="{28A0092B-C50C-407E-A947-70E740481C1C}">
+                <a14:useLocalDpi xmlns:a14="http://schemas.microsoft.com/office/drawing/2010/main" val="0"/>
+              </a:ext>
+            </a:extLst>
+          </a:blip>
+          <a:srcRect l="29365"/>
+          <a:stretch>
+            <a:fillRect/>
+          </a:stretch>
+        </p:blipFill>
+        <p:spPr bwMode="auto">
+          <a:xfrm>
+            <a:off x="831673" y="3950794"/>
+            <a:ext cx="4870463" cy="1828845"/>
+          </a:xfrm>
+          <a:prstGeom prst="rect">
+            <a:avLst/>
+          </a:prstGeom>
+          <a:noFill/>
+          <a:extLst>
+            <a:ext uri="{909E8E84-426E-40DD-AFC4-6F175D3DCCD1}">
+              <a14:hiddenFill xmlns:a14="http://schemas.microsoft.com/office/drawing/2010/main">
+                <a:solidFill>
+                  <a:srgbClr val="FFFFFF"/>
+                </a:solidFill>
+              </a14:hiddenFill>
+            </a:ext>
+          </a:extLst>
+        </p:spPr>
+      </p:pic>
     </p:spTree>
     <p:extLst>
       <p:ext uri="{BB962C8B-B14F-4D97-AF65-F5344CB8AC3E}">
@@ -6621,8 +7215,8 @@
         </p:nvSpPr>
         <p:spPr>
           <a:xfrm>
-            <a:off x="3576153" y="546920"/>
-            <a:ext cx="5039714" cy="923330"/>
+            <a:off x="3990051" y="546920"/>
+            <a:ext cx="4211923" cy="923330"/>
           </a:xfrm>
           <a:prstGeom prst="rect">
             <a:avLst/>
@@ -6637,7 +7231,7 @@
           <a:p>
             <a:pPr algn="ctr"/>
             <a:r>
-              <a:rPr lang="it-IT" sz="5400" b="1" cap="none" spc="0" dirty="0" err="1">
+              <a:rPr lang="it-IT" sz="5400" b="1" cap="none" spc="0" dirty="0">
                 <a:ln w="9525">
                   <a:solidFill>
                     <a:schemeClr val="bg1"/>
@@ -6655,32 +7249,185 @@
                   </a:outerShdw>
                 </a:effectLst>
               </a:rPr>
+              <a:t>Statistical test</a:t>
+            </a:r>
+          </a:p>
+        </p:txBody>
+      </p:sp>
+      <p:sp>
+        <p:nvSpPr>
+          <p:cNvPr id="4" name="CasellaDiTesto 3">
+            <a:extLst>
+              <a:ext uri="{FF2B5EF4-FFF2-40B4-BE49-F238E27FC236}">
+                <a16:creationId xmlns:a16="http://schemas.microsoft.com/office/drawing/2014/main" id="{6F4A54A2-5CB2-27FC-6187-830859AE5E54}"/>
+              </a:ext>
+            </a:extLst>
+          </p:cNvPr>
+          <p:cNvSpPr txBox="1"/>
+          <p:nvPr/>
+        </p:nvSpPr>
+        <p:spPr>
+          <a:xfrm>
+            <a:off x="502920" y="1582340"/>
+            <a:ext cx="11338560" cy="3139321"/>
+          </a:xfrm>
+          <a:prstGeom prst="rect">
+            <a:avLst/>
+          </a:prstGeom>
+          <a:noFill/>
+        </p:spPr>
+        <p:txBody>
+          <a:bodyPr wrap="square" rtlCol="0">
+            <a:spAutoFit/>
+          </a:bodyPr>
+          <a:lstStyle/>
+          <a:p>
+            <a:pPr marL="285750" indent="-285750">
+              <a:buFont typeface="Arial" panose="020B0604020202020204" pitchFamily="34" charset="0"/>
+              <a:buChar char="•"/>
+            </a:pPr>
+            <a:r>
+              <a:rPr lang="it-IT" sz="3600" dirty="0" err="1"/>
               <a:t>Permutation</a:t>
             </a:r>
             <a:r>
-              <a:rPr lang="it-IT" sz="5400" b="1" cap="none" spc="0" dirty="0">
-                <a:ln w="9525">
-                  <a:solidFill>
-                    <a:schemeClr val="bg1"/>
-                  </a:solidFill>
-                  <a:prstDash val="solid"/>
-                </a:ln>
-                <a:solidFill>
-                  <a:schemeClr val="tx1"/>
-                </a:solidFill>
-                <a:effectLst>
-                  <a:outerShdw blurRad="12700" dist="38100" dir="2700000" algn="tl" rotWithShape="0">
-                    <a:schemeClr val="bg1">
-                      <a:lumMod val="50000"/>
-                    </a:schemeClr>
-                  </a:outerShdw>
-                </a:effectLst>
-              </a:rPr>
-              <a:t> test</a:t>
-            </a:r>
-          </a:p>
-        </p:txBody>
-      </p:sp>
+              <a:rPr lang="it-IT" sz="3600" dirty="0"/>
+              <a:t> test: </a:t>
+            </a:r>
+            <a:r>
+              <a:rPr lang="it-IT" sz="3600" dirty="0" err="1"/>
+              <a:t>is</a:t>
+            </a:r>
+            <a:r>
+              <a:rPr lang="it-IT" sz="3600" dirty="0"/>
+              <a:t> e-mail </a:t>
+            </a:r>
+            <a:r>
+              <a:rPr lang="it-IT" sz="3600" dirty="0" err="1"/>
+              <a:t>traffic</a:t>
+            </a:r>
+            <a:r>
+              <a:rPr lang="it-IT" sz="3600" dirty="0"/>
+              <a:t> source more </a:t>
+            </a:r>
+            <a:r>
+              <a:rPr lang="it-IT" sz="3600" dirty="0" err="1"/>
+              <a:t>effective</a:t>
+            </a:r>
+            <a:r>
+              <a:rPr lang="it-IT" sz="3600" dirty="0"/>
+              <a:t> </a:t>
+            </a:r>
+            <a:r>
+              <a:rPr lang="it-IT" sz="3600" dirty="0" err="1"/>
+              <a:t>than</a:t>
+            </a:r>
+            <a:r>
+              <a:rPr lang="it-IT" sz="3600" dirty="0"/>
+              <a:t> </a:t>
+            </a:r>
+            <a:r>
+              <a:rPr lang="it-IT" sz="3600" dirty="0" err="1"/>
+              <a:t>AdWord</a:t>
+            </a:r>
+            <a:r>
+              <a:rPr lang="it-IT" sz="3600" dirty="0"/>
+              <a:t>?</a:t>
+            </a:r>
+          </a:p>
+          <a:p>
+            <a:pPr marL="285750" indent="-285750">
+              <a:buFont typeface="Arial" panose="020B0604020202020204" pitchFamily="34" charset="0"/>
+              <a:buChar char="•"/>
+            </a:pPr>
+            <a:r>
+              <a:rPr lang="it-IT" sz="3600" dirty="0"/>
+              <a:t>ANOVA test: </a:t>
+            </a:r>
+            <a:r>
+              <a:rPr lang="it-IT" sz="3600" dirty="0" err="1"/>
+              <a:t>does</a:t>
+            </a:r>
+            <a:r>
+              <a:rPr lang="it-IT" sz="3600" dirty="0"/>
+              <a:t> delivery performance </a:t>
+            </a:r>
+            <a:r>
+              <a:rPr lang="it-IT" sz="3600" dirty="0" err="1"/>
+              <a:t>depends</a:t>
+            </a:r>
+            <a:r>
+              <a:rPr lang="it-IT" sz="3600" dirty="0"/>
+              <a:t> on </a:t>
+            </a:r>
+            <a:r>
+              <a:rPr lang="it-IT" sz="3600" dirty="0" err="1"/>
+              <a:t>distribution</a:t>
+            </a:r>
+            <a:r>
+              <a:rPr lang="it-IT" sz="3600" dirty="0"/>
+              <a:t> centers?</a:t>
+            </a:r>
+          </a:p>
+          <a:p>
+            <a:pPr marL="285750" indent="-285750">
+              <a:buFont typeface="Arial" panose="020B0604020202020204" pitchFamily="34" charset="0"/>
+              <a:buChar char="•"/>
+            </a:pPr>
+            <a:endParaRPr lang="it-IT" sz="3600" dirty="0"/>
+          </a:p>
+          <a:p>
+            <a:endParaRPr lang="it-IT" dirty="0"/>
+          </a:p>
+        </p:txBody>
+      </p:sp>
+      <p:pic>
+        <p:nvPicPr>
+          <p:cNvPr id="5" name="Picture 4" descr="Python Logo">
+            <a:extLst>
+              <a:ext uri="{FF2B5EF4-FFF2-40B4-BE49-F238E27FC236}">
+                <a16:creationId xmlns:a16="http://schemas.microsoft.com/office/drawing/2014/main" id="{B393D38A-B275-C525-33D3-757B1C25A4FC}"/>
+              </a:ext>
+            </a:extLst>
+          </p:cNvPr>
+          <p:cNvPicPr>
+            <a:picLocks noChangeAspect="1" noChangeArrowheads="1"/>
+          </p:cNvPicPr>
+          <p:nvPr/>
+        </p:nvPicPr>
+        <p:blipFill>
+          <a:blip r:embed="rId3">
+            <a:extLst>
+              <a:ext uri="{28A0092B-C50C-407E-A947-70E740481C1C}">
+                <a14:useLocalDpi xmlns:a14="http://schemas.microsoft.com/office/drawing/2010/main" val="0"/>
+              </a:ext>
+            </a:extLst>
+          </a:blip>
+          <a:srcRect/>
+          <a:stretch>
+            <a:fillRect/>
+          </a:stretch>
+        </p:blipFill>
+        <p:spPr bwMode="auto">
+          <a:xfrm>
+            <a:off x="5491298" y="3429000"/>
+            <a:ext cx="4762500" cy="2981325"/>
+          </a:xfrm>
+          <a:prstGeom prst="rect">
+            <a:avLst/>
+          </a:prstGeom>
+          <a:noFill/>
+          <a:extLst>
+            <a:ext uri="{909E8E84-426E-40DD-AFC4-6F175D3DCCD1}">
+              <a14:hiddenFill xmlns:a14="http://schemas.microsoft.com/office/drawing/2010/main">
+                <a:solidFill>
+                  <a:srgbClr val="FFFFFF"/>
+                </a:solidFill>
+              </a14:hiddenFill>
+            </a:ext>
+          </a:extLst>
+        </p:spPr>
+      </p:pic>
     </p:spTree>
     <p:extLst>
       <p:ext uri="{BB962C8B-B14F-4D97-AF65-F5344CB8AC3E}">
